--- a/プレゼンテーション1.pptx
+++ b/プレゼンテーション1.pptx
@@ -13,7 +13,8 @@
     <p:sldId id="261" r:id="rId7"/>
     <p:sldId id="262" r:id="rId8"/>
     <p:sldId id="263" r:id="rId9"/>
-    <p:sldId id="264" r:id="rId10"/>
+    <p:sldId id="265" r:id="rId10"/>
+    <p:sldId id="264" r:id="rId11"/>
   </p:sldIdLst>
   <p:sldSz cx="12192000" cy="6858000"/>
   <p:notesSz cx="6858000" cy="9144000"/>
@@ -112,6 +113,11 @@
       </a:defRPr>
     </a:lvl9pPr>
   </p:defaultTextStyle>
+  <p:extLst>
+    <p:ext uri="{EFAFB233-063F-42B5-8137-9DF3F51BA10A}">
+      <p15:sldGuideLst xmlns:p15="http://schemas.microsoft.com/office/powerpoint/2012/main"/>
+    </p:ext>
+  </p:extLst>
 </p:presentation>
 </file>
 
@@ -3642,6 +3648,93 @@
 </p:sld>
 </file>
 
+<file path=ppt/slides/slide10.xml><?xml version="1.0" encoding="utf-8"?>
+<p:sld xmlns:a="http://schemas.openxmlformats.org/drawingml/2006/main" xmlns:r="http://schemas.openxmlformats.org/officeDocument/2006/relationships" xmlns:p="http://schemas.openxmlformats.org/presentationml/2006/main">
+  <p:cSld>
+    <p:spTree>
+      <p:nvGrpSpPr>
+        <p:cNvPr id="1" name=""/>
+        <p:cNvGrpSpPr/>
+        <p:nvPr/>
+      </p:nvGrpSpPr>
+      <p:grpSpPr>
+        <a:xfrm>
+          <a:off x="0" y="0"/>
+          <a:ext cx="0" cy="0"/>
+          <a:chOff x="0" y="0"/>
+          <a:chExt cx="0" cy="0"/>
+        </a:xfrm>
+      </p:grpSpPr>
+      <p:sp>
+        <p:nvSpPr>
+          <p:cNvPr id="2" name="タイトル 1">
+            <a:extLst>
+              <a:ext uri="{FF2B5EF4-FFF2-40B4-BE49-F238E27FC236}">
+                <a16:creationId xmlns:a16="http://schemas.microsoft.com/office/drawing/2014/main" id="{42AD0FBA-72F0-7B44-98F1-3D20CF9124F2}"/>
+              </a:ext>
+            </a:extLst>
+          </p:cNvPr>
+          <p:cNvSpPr>
+            <a:spLocks noGrp="1"/>
+          </p:cNvSpPr>
+          <p:nvPr>
+            <p:ph type="title"/>
+          </p:nvPr>
+        </p:nvSpPr>
+        <p:spPr/>
+        <p:txBody>
+          <a:bodyPr/>
+          <a:lstStyle/>
+          <a:p>
+            <a:r>
+              <a:rPr kumimoji="1" lang="ja-JP" altLang="en-US"/>
+              <a:t>ご静聴、ありがとうございました。</a:t>
+            </a:r>
+            <a:br>
+              <a:rPr kumimoji="1" lang="en-US" altLang="ja-JP" dirty="0"/>
+            </a:br>
+            <a:endParaRPr kumimoji="1" lang="ja-JP" altLang="en-US"/>
+          </a:p>
+        </p:txBody>
+      </p:sp>
+      <p:sp>
+        <p:nvSpPr>
+          <p:cNvPr id="3" name="コンテンツ プレースホルダー 2">
+            <a:extLst>
+              <a:ext uri="{FF2B5EF4-FFF2-40B4-BE49-F238E27FC236}">
+                <a16:creationId xmlns:a16="http://schemas.microsoft.com/office/drawing/2014/main" id="{C577023B-8CA7-6642-8A9B-D434C9496AE8}"/>
+              </a:ext>
+            </a:extLst>
+          </p:cNvPr>
+          <p:cNvSpPr>
+            <a:spLocks noGrp="1"/>
+          </p:cNvSpPr>
+          <p:nvPr>
+            <p:ph idx="1"/>
+          </p:nvPr>
+        </p:nvSpPr>
+        <p:spPr/>
+        <p:txBody>
+          <a:bodyPr/>
+          <a:lstStyle/>
+          <a:p>
+            <a:endParaRPr kumimoji="1" lang="ja-JP" altLang="en-US"/>
+          </a:p>
+        </p:txBody>
+      </p:sp>
+    </p:spTree>
+    <p:extLst>
+      <p:ext uri="{BB962C8B-B14F-4D97-AF65-F5344CB8AC3E}">
+        <p14:creationId xmlns:p14="http://schemas.microsoft.com/office/powerpoint/2010/main" val="3883177510"/>
+      </p:ext>
+    </p:extLst>
+  </p:cSld>
+  <p:clrMapOvr>
+    <a:masterClrMapping/>
+  </p:clrMapOvr>
+</p:sld>
+</file>
+
 <file path=ppt/slides/slide2.xml><?xml version="1.0" encoding="utf-8"?>
 <p:sld xmlns:a="http://schemas.openxmlformats.org/drawingml/2006/main" xmlns:r="http://schemas.openxmlformats.org/officeDocument/2006/relationships" xmlns:p="http://schemas.openxmlformats.org/presentationml/2006/main">
   <p:cSld>
@@ -5042,7 +5135,7 @@
           <p:cNvPr id="2" name="タイトル 1">
             <a:extLst>
               <a:ext uri="{FF2B5EF4-FFF2-40B4-BE49-F238E27FC236}">
-                <a16:creationId xmlns:a16="http://schemas.microsoft.com/office/drawing/2014/main" id="{42AD0FBA-72F0-7B44-98F1-3D20CF9124F2}"/>
+                <a16:creationId xmlns:a16="http://schemas.microsoft.com/office/drawing/2014/main" id="{6BD45D65-542A-6E4E-8A3F-11044E9F2286}"/>
               </a:ext>
             </a:extLst>
           </p:cNvPr>
@@ -5060,44 +5153,52 @@
           <a:p>
             <a:r>
               <a:rPr kumimoji="1" lang="ja-JP" altLang="en-US"/>
-              <a:t>ご静聴、ありがとうございました。</a:t>
-            </a:r>
-            <a:br>
-              <a:rPr kumimoji="1" lang="en-US" altLang="ja-JP" dirty="0"/>
-            </a:br>
-            <a:endParaRPr kumimoji="1" lang="ja-JP" altLang="en-US"/>
-          </a:p>
-        </p:txBody>
-      </p:sp>
-      <p:sp>
-        <p:nvSpPr>
-          <p:cNvPr id="3" name="コンテンツ プレースホルダー 2">
-            <a:extLst>
-              <a:ext uri="{FF2B5EF4-FFF2-40B4-BE49-F238E27FC236}">
-                <a16:creationId xmlns:a16="http://schemas.microsoft.com/office/drawing/2014/main" id="{C577023B-8CA7-6642-8A9B-D434C9496AE8}"/>
-              </a:ext>
-            </a:extLst>
-          </p:cNvPr>
-          <p:cNvSpPr>
-            <a:spLocks noGrp="1"/>
-          </p:cNvSpPr>
+              <a:t>権限</a:t>
+            </a:r>
+            <a:r>
+              <a:rPr lang="ja-JP" altLang="en-US"/>
+              <a:t>の</a:t>
+            </a:r>
+            <a:r>
+              <a:rPr kumimoji="1" lang="ja-JP" altLang="en-US"/>
+              <a:t>付与を忘れないでね</a:t>
+            </a:r>
+          </a:p>
+        </p:txBody>
+      </p:sp>
+      <p:pic>
+        <p:nvPicPr>
+          <p:cNvPr id="5" name="コンテンツ プレースホルダー 4">
+            <a:extLst>
+              <a:ext uri="{FF2B5EF4-FFF2-40B4-BE49-F238E27FC236}">
+                <a16:creationId xmlns:a16="http://schemas.microsoft.com/office/drawing/2014/main" id="{8E9A78CD-7731-EF44-B2D8-B6DA039BCC05}"/>
+              </a:ext>
+            </a:extLst>
+          </p:cNvPr>
+          <p:cNvPicPr>
+            <a:picLocks noGrp="1" noChangeAspect="1"/>
+          </p:cNvPicPr>
           <p:nvPr>
             <p:ph idx="1"/>
           </p:nvPr>
-        </p:nvSpPr>
-        <p:spPr/>
-        <p:txBody>
-          <a:bodyPr/>
-          <a:lstStyle/>
-          <a:p>
-            <a:endParaRPr kumimoji="1" lang="ja-JP" altLang="en-US"/>
-          </a:p>
-        </p:txBody>
-      </p:sp>
+        </p:nvPicPr>
+        <p:blipFill>
+          <a:blip r:embed="rId2"/>
+          <a:stretch>
+            <a:fillRect/>
+          </a:stretch>
+        </p:blipFill>
+        <p:spPr>
+          <a:xfrm>
+            <a:off x="838200" y="2074523"/>
+            <a:ext cx="10515600" cy="3853542"/>
+          </a:xfrm>
+        </p:spPr>
+      </p:pic>
     </p:spTree>
     <p:extLst>
       <p:ext uri="{BB962C8B-B14F-4D97-AF65-F5344CB8AC3E}">
-        <p14:creationId xmlns:p14="http://schemas.microsoft.com/office/powerpoint/2010/main" val="3883177510"/>
+        <p14:creationId xmlns:p14="http://schemas.microsoft.com/office/powerpoint/2010/main" val="3879639074"/>
       </p:ext>
     </p:extLst>
   </p:cSld>
